--- a/img/vehicular rear view camera/parts.pptx
+++ b/img/vehicular rear view camera/parts.pptx
@@ -104,6 +104,11 @@
       </a:defRPr>
     </a:lvl9pPr>
   </p:defaultTextStyle>
+  <p:extLst>
+    <p:ext uri="{EFAFB233-063F-42B5-8137-9DF3F51BA10A}">
+      <p15:sldGuideLst xmlns:p15="http://schemas.microsoft.com/office/powerpoint/2012/main"/>
+    </p:ext>
+  </p:extLst>
 </p:presentation>
 </file>
 
@@ -254,7 +259,7 @@
           <a:p>
             <a:fld id="{075721E0-7F45-4258-8679-F689376AD8F5}" type="datetimeFigureOut">
               <a:rPr lang="en-US" smtClean="0"/>
-              <a:t>11/8/2018</a:t>
+              <a:t>11/13/2018</a:t>
             </a:fld>
             <a:endParaRPr lang="en-US"/>
           </a:p>
@@ -452,7 +457,7 @@
           <a:p>
             <a:fld id="{075721E0-7F45-4258-8679-F689376AD8F5}" type="datetimeFigureOut">
               <a:rPr lang="en-US" smtClean="0"/>
-              <a:t>11/8/2018</a:t>
+              <a:t>11/13/2018</a:t>
             </a:fld>
             <a:endParaRPr lang="en-US"/>
           </a:p>
@@ -660,7 +665,7 @@
           <a:p>
             <a:fld id="{075721E0-7F45-4258-8679-F689376AD8F5}" type="datetimeFigureOut">
               <a:rPr lang="en-US" smtClean="0"/>
-              <a:t>11/8/2018</a:t>
+              <a:t>11/13/2018</a:t>
             </a:fld>
             <a:endParaRPr lang="en-US"/>
           </a:p>
@@ -858,7 +863,7 @@
           <a:p>
             <a:fld id="{075721E0-7F45-4258-8679-F689376AD8F5}" type="datetimeFigureOut">
               <a:rPr lang="en-US" smtClean="0"/>
-              <a:t>11/8/2018</a:t>
+              <a:t>11/13/2018</a:t>
             </a:fld>
             <a:endParaRPr lang="en-US"/>
           </a:p>
@@ -1133,7 +1138,7 @@
           <a:p>
             <a:fld id="{075721E0-7F45-4258-8679-F689376AD8F5}" type="datetimeFigureOut">
               <a:rPr lang="en-US" smtClean="0"/>
-              <a:t>11/8/2018</a:t>
+              <a:t>11/13/2018</a:t>
             </a:fld>
             <a:endParaRPr lang="en-US"/>
           </a:p>
@@ -1398,7 +1403,7 @@
           <a:p>
             <a:fld id="{075721E0-7F45-4258-8679-F689376AD8F5}" type="datetimeFigureOut">
               <a:rPr lang="en-US" smtClean="0"/>
-              <a:t>11/8/2018</a:t>
+              <a:t>11/13/2018</a:t>
             </a:fld>
             <a:endParaRPr lang="en-US"/>
           </a:p>
@@ -1810,7 +1815,7 @@
           <a:p>
             <a:fld id="{075721E0-7F45-4258-8679-F689376AD8F5}" type="datetimeFigureOut">
               <a:rPr lang="en-US" smtClean="0"/>
-              <a:t>11/8/2018</a:t>
+              <a:t>11/13/2018</a:t>
             </a:fld>
             <a:endParaRPr lang="en-US"/>
           </a:p>
@@ -1951,7 +1956,7 @@
           <a:p>
             <a:fld id="{075721E0-7F45-4258-8679-F689376AD8F5}" type="datetimeFigureOut">
               <a:rPr lang="en-US" smtClean="0"/>
-              <a:t>11/8/2018</a:t>
+              <a:t>11/13/2018</a:t>
             </a:fld>
             <a:endParaRPr lang="en-US"/>
           </a:p>
@@ -2064,7 +2069,7 @@
           <a:p>
             <a:fld id="{075721E0-7F45-4258-8679-F689376AD8F5}" type="datetimeFigureOut">
               <a:rPr lang="en-US" smtClean="0"/>
-              <a:t>11/8/2018</a:t>
+              <a:t>11/13/2018</a:t>
             </a:fld>
             <a:endParaRPr lang="en-US"/>
           </a:p>
@@ -2375,7 +2380,7 @@
           <a:p>
             <a:fld id="{075721E0-7F45-4258-8679-F689376AD8F5}" type="datetimeFigureOut">
               <a:rPr lang="en-US" smtClean="0"/>
-              <a:t>11/8/2018</a:t>
+              <a:t>11/13/2018</a:t>
             </a:fld>
             <a:endParaRPr lang="en-US"/>
           </a:p>
@@ -2663,7 +2668,7 @@
           <a:p>
             <a:fld id="{075721E0-7F45-4258-8679-F689376AD8F5}" type="datetimeFigureOut">
               <a:rPr lang="en-US" smtClean="0"/>
-              <a:t>11/8/2018</a:t>
+              <a:t>11/13/2018</a:t>
             </a:fld>
             <a:endParaRPr lang="en-US"/>
           </a:p>
@@ -2904,7 +2909,7 @@
           <a:p>
             <a:fld id="{075721E0-7F45-4258-8679-F689376AD8F5}" type="datetimeFigureOut">
               <a:rPr lang="en-US" smtClean="0"/>
-              <a:t>11/8/2018</a:t>
+              <a:t>11/13/2018</a:t>
             </a:fld>
             <a:endParaRPr lang="en-US"/>
           </a:p>
@@ -3321,12 +3326,117 @@
           <a:chExt cx="0" cy="0"/>
         </a:xfrm>
       </p:grpSpPr>
+      <p:pic>
+        <p:nvPicPr>
+          <p:cNvPr id="5" name="Picture 4">
+            <a:extLst>
+              <a:ext uri="{FF2B5EF4-FFF2-40B4-BE49-F238E27FC236}">
+                <a16:creationId xmlns:a16="http://schemas.microsoft.com/office/drawing/2014/main" id="{990F757B-7AAE-43D1-B3CA-2D7B86DC809F}"/>
+              </a:ext>
+            </a:extLst>
+          </p:cNvPr>
+          <p:cNvPicPr>
+            <a:picLocks noChangeAspect="1"/>
+          </p:cNvPicPr>
+          <p:nvPr/>
+        </p:nvPicPr>
+        <p:blipFill rotWithShape="1">
+          <a:blip r:embed="rId2">
+            <a:extLst>
+              <a:ext uri="{28A0092B-C50C-407E-A947-70E740481C1C}">
+                <a14:useLocalDpi xmlns:a14="http://schemas.microsoft.com/office/drawing/2010/main" val="0"/>
+              </a:ext>
+            </a:extLst>
+          </a:blip>
+          <a:srcRect l="32480" t="35362" r="25266" b="29662"/>
+          <a:stretch/>
+        </p:blipFill>
+        <p:spPr>
+          <a:xfrm>
+            <a:off x="348137" y="722242"/>
+            <a:ext cx="2341462" cy="2584173"/>
+          </a:xfrm>
+          <a:prstGeom prst="rect">
+            <a:avLst/>
+          </a:prstGeom>
+        </p:spPr>
+      </p:pic>
+      <p:pic>
+        <p:nvPicPr>
+          <p:cNvPr id="7" name="Picture 6">
+            <a:extLst>
+              <a:ext uri="{FF2B5EF4-FFF2-40B4-BE49-F238E27FC236}">
+                <a16:creationId xmlns:a16="http://schemas.microsoft.com/office/drawing/2014/main" id="{130E2EBD-C0C3-4CB2-AC59-11AC41EADB81}"/>
+              </a:ext>
+            </a:extLst>
+          </p:cNvPr>
+          <p:cNvPicPr>
+            <a:picLocks noChangeAspect="1"/>
+          </p:cNvPicPr>
+          <p:nvPr/>
+        </p:nvPicPr>
+        <p:blipFill rotWithShape="1">
+          <a:blip r:embed="rId3">
+            <a:extLst>
+              <a:ext uri="{28A0092B-C50C-407E-A947-70E740481C1C}">
+                <a14:useLocalDpi xmlns:a14="http://schemas.microsoft.com/office/drawing/2010/main" val="0"/>
+              </a:ext>
+            </a:extLst>
+          </a:blip>
+          <a:srcRect l="33253" t="33236" r="26296" b="29082"/>
+          <a:stretch/>
+        </p:blipFill>
+        <p:spPr>
+          <a:xfrm>
+            <a:off x="9780105" y="722243"/>
+            <a:ext cx="2080591" cy="2584174"/>
+          </a:xfrm>
+          <a:prstGeom prst="rect">
+            <a:avLst/>
+          </a:prstGeom>
+        </p:spPr>
+      </p:pic>
+      <p:pic>
+        <p:nvPicPr>
+          <p:cNvPr id="9" name="Picture 8">
+            <a:extLst>
+              <a:ext uri="{FF2B5EF4-FFF2-40B4-BE49-F238E27FC236}">
+                <a16:creationId xmlns:a16="http://schemas.microsoft.com/office/drawing/2014/main" id="{9C4C4145-3DDF-47D8-B04C-D409F5A33795}"/>
+              </a:ext>
+            </a:extLst>
+          </p:cNvPr>
+          <p:cNvPicPr>
+            <a:picLocks noChangeAspect="1"/>
+          </p:cNvPicPr>
+          <p:nvPr/>
+        </p:nvPicPr>
+        <p:blipFill rotWithShape="1">
+          <a:blip r:embed="rId4">
+            <a:extLst>
+              <a:ext uri="{28A0092B-C50C-407E-A947-70E740481C1C}">
+                <a14:useLocalDpi xmlns:a14="http://schemas.microsoft.com/office/drawing/2010/main" val="0"/>
+              </a:ext>
+            </a:extLst>
+          </a:blip>
+          <a:srcRect l="7745" t="38067" r="12384" b="40097"/>
+          <a:stretch/>
+        </p:blipFill>
+        <p:spPr>
+          <a:xfrm>
+            <a:off x="2696816" y="722242"/>
+            <a:ext cx="7089323" cy="2584173"/>
+          </a:xfrm>
+          <a:prstGeom prst="rect">
+            <a:avLst/>
+          </a:prstGeom>
+        </p:spPr>
+      </p:pic>
       <p:grpSp>
         <p:nvGrpSpPr>
-          <p:cNvPr id="17" name="Group 16">
-            <a:extLst>
-              <a:ext uri="{FF2B5EF4-FFF2-40B4-BE49-F238E27FC236}">
-                <a16:creationId xmlns:a16="http://schemas.microsoft.com/office/drawing/2014/main" id="{9AD734C5-2B79-4533-B85F-8BC9B55FC7B9}"/>
+          <p:cNvPr id="3" name="Group 2">
+            <a:extLst>
+              <a:ext uri="{FF2B5EF4-FFF2-40B4-BE49-F238E27FC236}">
+                <a16:creationId xmlns:a16="http://schemas.microsoft.com/office/drawing/2014/main" id="{2EF5D4F2-B8D4-4DAD-9B5F-B6ECC5F40098}"/>
               </a:ext>
             </a:extLst>
           </p:cNvPr>
@@ -3335,117 +3445,12 @@
         </p:nvGrpSpPr>
         <p:grpSpPr>
           <a:xfrm>
-            <a:off x="325494" y="722242"/>
-            <a:ext cx="11535202" cy="5917538"/>
-            <a:chOff x="325494" y="722242"/>
-            <a:chExt cx="11535202" cy="5917538"/>
+            <a:off x="325494" y="3894554"/>
+            <a:ext cx="11535202" cy="2745226"/>
+            <a:chOff x="325494" y="3894554"/>
+            <a:chExt cx="11535202" cy="2745226"/>
           </a:xfrm>
         </p:grpSpPr>
-        <p:pic>
-          <p:nvPicPr>
-            <p:cNvPr id="5" name="Picture 4">
-              <a:extLst>
-                <a:ext uri="{FF2B5EF4-FFF2-40B4-BE49-F238E27FC236}">
-                  <a16:creationId xmlns:a16="http://schemas.microsoft.com/office/drawing/2014/main" id="{990F757B-7AAE-43D1-B3CA-2D7B86DC809F}"/>
-                </a:ext>
-              </a:extLst>
-            </p:cNvPr>
-            <p:cNvPicPr>
-              <a:picLocks noChangeAspect="1"/>
-            </p:cNvPicPr>
-            <p:nvPr/>
-          </p:nvPicPr>
-          <p:blipFill rotWithShape="1">
-            <a:blip r:embed="rId2">
-              <a:extLst>
-                <a:ext uri="{28A0092B-C50C-407E-A947-70E740481C1C}">
-                  <a14:useLocalDpi xmlns:a14="http://schemas.microsoft.com/office/drawing/2010/main" val="0"/>
-                </a:ext>
-              </a:extLst>
-            </a:blip>
-            <a:srcRect l="32480" t="35362" r="25266" b="29662"/>
-            <a:stretch/>
-          </p:blipFill>
-          <p:spPr>
-            <a:xfrm>
-              <a:off x="348137" y="722242"/>
-              <a:ext cx="2341462" cy="2584173"/>
-            </a:xfrm>
-            <a:prstGeom prst="rect">
-              <a:avLst/>
-            </a:prstGeom>
-          </p:spPr>
-        </p:pic>
-        <p:pic>
-          <p:nvPicPr>
-            <p:cNvPr id="7" name="Picture 6">
-              <a:extLst>
-                <a:ext uri="{FF2B5EF4-FFF2-40B4-BE49-F238E27FC236}">
-                  <a16:creationId xmlns:a16="http://schemas.microsoft.com/office/drawing/2014/main" id="{130E2EBD-C0C3-4CB2-AC59-11AC41EADB81}"/>
-                </a:ext>
-              </a:extLst>
-            </p:cNvPr>
-            <p:cNvPicPr>
-              <a:picLocks noChangeAspect="1"/>
-            </p:cNvPicPr>
-            <p:nvPr/>
-          </p:nvPicPr>
-          <p:blipFill rotWithShape="1">
-            <a:blip r:embed="rId3">
-              <a:extLst>
-                <a:ext uri="{28A0092B-C50C-407E-A947-70E740481C1C}">
-                  <a14:useLocalDpi xmlns:a14="http://schemas.microsoft.com/office/drawing/2010/main" val="0"/>
-                </a:ext>
-              </a:extLst>
-            </a:blip>
-            <a:srcRect l="33253" t="33236" r="26296" b="29082"/>
-            <a:stretch/>
-          </p:blipFill>
-          <p:spPr>
-            <a:xfrm>
-              <a:off x="9780105" y="722243"/>
-              <a:ext cx="2080591" cy="2584174"/>
-            </a:xfrm>
-            <a:prstGeom prst="rect">
-              <a:avLst/>
-            </a:prstGeom>
-          </p:spPr>
-        </p:pic>
-        <p:pic>
-          <p:nvPicPr>
-            <p:cNvPr id="9" name="Picture 8">
-              <a:extLst>
-                <a:ext uri="{FF2B5EF4-FFF2-40B4-BE49-F238E27FC236}">
-                  <a16:creationId xmlns:a16="http://schemas.microsoft.com/office/drawing/2014/main" id="{9C4C4145-3DDF-47D8-B04C-D409F5A33795}"/>
-                </a:ext>
-              </a:extLst>
-            </p:cNvPr>
-            <p:cNvPicPr>
-              <a:picLocks noChangeAspect="1"/>
-            </p:cNvPicPr>
-            <p:nvPr/>
-          </p:nvPicPr>
-          <p:blipFill rotWithShape="1">
-            <a:blip r:embed="rId4">
-              <a:extLst>
-                <a:ext uri="{28A0092B-C50C-407E-A947-70E740481C1C}">
-                  <a14:useLocalDpi xmlns:a14="http://schemas.microsoft.com/office/drawing/2010/main" val="0"/>
-                </a:ext>
-              </a:extLst>
-            </a:blip>
-            <a:srcRect l="7745" t="38067" r="12384" b="40097"/>
-            <a:stretch/>
-          </p:blipFill>
-          <p:spPr>
-            <a:xfrm>
-              <a:off x="2696816" y="722242"/>
-              <a:ext cx="7089323" cy="2584173"/>
-            </a:xfrm>
-            <a:prstGeom prst="rect">
-              <a:avLst/>
-            </a:prstGeom>
-          </p:spPr>
-        </p:pic>
         <p:pic>
           <p:nvPicPr>
             <p:cNvPr id="10" name="Picture 9" descr="https://lh6.googleusercontent.com/LZQUPtJJjhyp6k_q-lYATendaSOfKRTsn8QuKgYa-k6umCQNJMXUNCjSXdbtXowRC_m-oebSLwOAgA-lM9tM26DycD5Znnl-Kbw7ZDc4_s1liG-oKXhpHZRXpXXnxZnV7Rk3zBzg9us">
@@ -3595,7 +3600,7 @@
               </a:avLst>
             </a:prstGeom>
             <a:solidFill>
-              <a:srgbClr val="17A2B8"/>
+              <a:schemeClr val="bg1"/>
             </a:solidFill>
             <a:ln>
               <a:solidFill>
@@ -3649,7 +3654,7 @@
               <a:avLst/>
             </a:prstGeom>
             <a:solidFill>
-              <a:srgbClr val="17A2B8"/>
+              <a:schemeClr val="bg1"/>
             </a:solidFill>
             <a:ln>
               <a:solidFill>
@@ -3703,7 +3708,7 @@
               <a:avLst/>
             </a:prstGeom>
             <a:solidFill>
-              <a:srgbClr val="17A2B8"/>
+              <a:schemeClr val="bg1"/>
             </a:solidFill>
             <a:ln>
               <a:solidFill>
@@ -3736,6 +3741,132 @@
             </a:p>
           </p:txBody>
         </p:sp>
+      </p:grpSp>
+      <p:grpSp>
+        <p:nvGrpSpPr>
+          <p:cNvPr id="2" name="Group 1">
+            <a:extLst>
+              <a:ext uri="{FF2B5EF4-FFF2-40B4-BE49-F238E27FC236}">
+                <a16:creationId xmlns:a16="http://schemas.microsoft.com/office/drawing/2014/main" id="{1372B3CF-813F-4F77-A762-0ED0A16E79D6}"/>
+              </a:ext>
+            </a:extLst>
+          </p:cNvPr>
+          <p:cNvGrpSpPr/>
+          <p:nvPr/>
+        </p:nvGrpSpPr>
+        <p:grpSpPr>
+          <a:xfrm>
+            <a:off x="325494" y="722239"/>
+            <a:ext cx="11512559" cy="2584175"/>
+            <a:chOff x="325494" y="722239"/>
+            <a:chExt cx="11512559" cy="2584175"/>
+          </a:xfrm>
+        </p:grpSpPr>
+        <p:pic>
+          <p:nvPicPr>
+            <p:cNvPr id="13" name="Picture 12">
+              <a:extLst>
+                <a:ext uri="{FF2B5EF4-FFF2-40B4-BE49-F238E27FC236}">
+                  <a16:creationId xmlns:a16="http://schemas.microsoft.com/office/drawing/2014/main" id="{E731FAE5-B34A-4184-AE03-4A135FC93D02}"/>
+                </a:ext>
+              </a:extLst>
+            </p:cNvPr>
+            <p:cNvPicPr>
+              <a:picLocks noChangeAspect="1"/>
+            </p:cNvPicPr>
+            <p:nvPr/>
+          </p:nvPicPr>
+          <p:blipFill rotWithShape="1">
+            <a:blip r:embed="rId2">
+              <a:extLst>
+                <a:ext uri="{28A0092B-C50C-407E-A947-70E740481C1C}">
+                  <a14:useLocalDpi xmlns:a14="http://schemas.microsoft.com/office/drawing/2010/main" val="0"/>
+                </a:ext>
+              </a:extLst>
+            </a:blip>
+            <a:srcRect l="32480" t="35362" r="25266" b="29662"/>
+            <a:stretch/>
+          </p:blipFill>
+          <p:spPr>
+            <a:xfrm>
+              <a:off x="325494" y="722239"/>
+              <a:ext cx="2341462" cy="2584173"/>
+            </a:xfrm>
+            <a:prstGeom prst="rect">
+              <a:avLst/>
+            </a:prstGeom>
+          </p:spPr>
+        </p:pic>
+        <p:pic>
+          <p:nvPicPr>
+            <p:cNvPr id="18" name="Picture 17">
+              <a:extLst>
+                <a:ext uri="{FF2B5EF4-FFF2-40B4-BE49-F238E27FC236}">
+                  <a16:creationId xmlns:a16="http://schemas.microsoft.com/office/drawing/2014/main" id="{80701595-974F-49D7-9FD9-8803FBCC56CA}"/>
+                </a:ext>
+              </a:extLst>
+            </p:cNvPr>
+            <p:cNvPicPr>
+              <a:picLocks noChangeAspect="1"/>
+            </p:cNvPicPr>
+            <p:nvPr/>
+          </p:nvPicPr>
+          <p:blipFill rotWithShape="1">
+            <a:blip r:embed="rId3">
+              <a:extLst>
+                <a:ext uri="{28A0092B-C50C-407E-A947-70E740481C1C}">
+                  <a14:useLocalDpi xmlns:a14="http://schemas.microsoft.com/office/drawing/2010/main" val="0"/>
+                </a:ext>
+              </a:extLst>
+            </a:blip>
+            <a:srcRect l="33253" t="33236" r="26296" b="29082"/>
+            <a:stretch/>
+          </p:blipFill>
+          <p:spPr>
+            <a:xfrm>
+              <a:off x="9757462" y="722240"/>
+              <a:ext cx="2080591" cy="2584174"/>
+            </a:xfrm>
+            <a:prstGeom prst="rect">
+              <a:avLst/>
+            </a:prstGeom>
+          </p:spPr>
+        </p:pic>
+        <p:pic>
+          <p:nvPicPr>
+            <p:cNvPr id="19" name="Picture 18">
+              <a:extLst>
+                <a:ext uri="{FF2B5EF4-FFF2-40B4-BE49-F238E27FC236}">
+                  <a16:creationId xmlns:a16="http://schemas.microsoft.com/office/drawing/2014/main" id="{6EE479CB-0584-43CD-8C75-FC842A626C85}"/>
+                </a:ext>
+              </a:extLst>
+            </p:cNvPr>
+            <p:cNvPicPr>
+              <a:picLocks noChangeAspect="1"/>
+            </p:cNvPicPr>
+            <p:nvPr/>
+          </p:nvPicPr>
+          <p:blipFill rotWithShape="1">
+            <a:blip r:embed="rId4">
+              <a:extLst>
+                <a:ext uri="{28A0092B-C50C-407E-A947-70E740481C1C}">
+                  <a14:useLocalDpi xmlns:a14="http://schemas.microsoft.com/office/drawing/2010/main" val="0"/>
+                </a:ext>
+              </a:extLst>
+            </a:blip>
+            <a:srcRect l="7745" t="38067" r="12384" b="40097"/>
+            <a:stretch/>
+          </p:blipFill>
+          <p:spPr>
+            <a:xfrm>
+              <a:off x="2674173" y="722239"/>
+              <a:ext cx="7089323" cy="2584173"/>
+            </a:xfrm>
+            <a:prstGeom prst="rect">
+              <a:avLst/>
+            </a:prstGeom>
+          </p:spPr>
+        </p:pic>
       </p:grpSp>
     </p:spTree>
     <p:extLst>
